--- a/Slides/Class02.pptx
+++ b/Slides/Class02.pptx
@@ -5443,13 +5443,13 @@
           <p:nvPr>
             <p:extLst>
               <p:ext uri="{D42A27DB-BD31-4B8C-83A1-F6EECF244321}">
-                <p14:modId xmlns:p14="http://schemas.microsoft.com/office/powerpoint/2010/main" val="3657393957"/>
+                <p14:modId xmlns:p14="http://schemas.microsoft.com/office/powerpoint/2010/main" val="3304930658"/>
               </p:ext>
             </p:extLst>
           </p:nvPr>
         </p:nvGraphicFramePr>
         <p:xfrm>
-          <a:off x="539603" y="945629"/>
+          <a:off x="539603" y="808469"/>
           <a:ext cx="8046720" cy="5608320"/>
         </p:xfrm>
         <a:graphic>
@@ -6870,6 +6870,58 @@
           </a:graphicData>
         </a:graphic>
       </p:graphicFrame>
+      <p:sp>
+        <p:nvSpPr>
+          <p:cNvPr id="5" name="TextBox 4">
+            <a:extLst>
+              <a:ext uri="{FF2B5EF4-FFF2-40B4-BE49-F238E27FC236}">
+                <a16:creationId xmlns:a16="http://schemas.microsoft.com/office/drawing/2014/main" id="{A267726F-6970-6B4F-B1D8-263B2AA25208}"/>
+              </a:ext>
+            </a:extLst>
+          </p:cNvPr>
+          <p:cNvSpPr txBox="1"/>
+          <p:nvPr/>
+        </p:nvSpPr>
+        <p:spPr>
+          <a:xfrm>
+            <a:off x="2331076" y="6427113"/>
+            <a:ext cx="6306763" cy="430887"/>
+          </a:xfrm>
+          <a:prstGeom prst="rect">
+            <a:avLst/>
+          </a:prstGeom>
+          <a:noFill/>
+        </p:spPr>
+        <p:txBody>
+          <a:bodyPr wrap="square" rtlCol="0">
+            <a:spAutoFit/>
+          </a:bodyPr>
+          <a:lstStyle/>
+          <a:p>
+            <a:pPr marR="0" lvl="0" algn="r">
+              <a:spcBef>
+                <a:spcPts val="0"/>
+              </a:spcBef>
+              <a:spcAft>
+                <a:spcPts val="0"/>
+              </a:spcAft>
+            </a:pPr>
+            <a:r>
+              <a:rPr lang="en-US" sz="2200" i="1" dirty="0">
+                <a:latin typeface="Times New Roman" panose="02020603050405020304" pitchFamily="18" charset="0"/>
+                <a:ea typeface="MS Mincho" panose="02020609040205080304" pitchFamily="49" charset="-128"/>
+                <a:cs typeface="Times New Roman" panose="02020603050405020304" pitchFamily="18" charset="0"/>
+              </a:rPr>
+              <a:t>Based on presentations by R. Teodorescu</a:t>
+            </a:r>
+            <a:endParaRPr lang="en-US" sz="2200" dirty="0">
+              <a:latin typeface="Times New Roman" panose="02020603050405020304" pitchFamily="18" charset="0"/>
+              <a:ea typeface="MS Mincho" panose="02020609040205080304" pitchFamily="49" charset="-128"/>
+              <a:cs typeface="Times New Roman" panose="02020603050405020304" pitchFamily="18" charset="0"/>
+            </a:endParaRPr>
+          </a:p>
+        </p:txBody>
+      </p:sp>
     </p:spTree>
     <p:extLst>
       <p:ext uri="{BB962C8B-B14F-4D97-AF65-F5344CB8AC3E}">
@@ -6933,6 +6985,51 @@
                       </p:childTnLst>
                     </p:cTn>
                   </p:par>
+                  <p:par>
+                    <p:cTn id="7" fill="hold">
+                      <p:stCondLst>
+                        <p:cond delay="indefinite"/>
+                      </p:stCondLst>
+                      <p:childTnLst>
+                        <p:par>
+                          <p:cTn id="8" fill="hold">
+                            <p:stCondLst>
+                              <p:cond delay="0"/>
+                            </p:stCondLst>
+                            <p:childTnLst>
+                              <p:par>
+                                <p:cTn id="9" presetID="1" presetClass="entr" presetSubtype="0" fill="hold" grpId="0" nodeType="clickEffect">
+                                  <p:stCondLst>
+                                    <p:cond delay="0"/>
+                                  </p:stCondLst>
+                                  <p:childTnLst>
+                                    <p:set>
+                                      <p:cBhvr>
+                                        <p:cTn id="10" dur="1" fill="hold">
+                                          <p:stCondLst>
+                                            <p:cond delay="0"/>
+                                          </p:stCondLst>
+                                        </p:cTn>
+                                        <p:tgtEl>
+                                          <p:spTgt spid="5"/>
+                                        </p:tgtEl>
+                                        <p:attrNameLst>
+                                          <p:attrName>style.visibility</p:attrName>
+                                        </p:attrNameLst>
+                                      </p:cBhvr>
+                                      <p:to>
+                                        <p:strVal val="visible"/>
+                                      </p:to>
+                                    </p:set>
+                                  </p:childTnLst>
+                                </p:cTn>
+                              </p:par>
+                            </p:childTnLst>
+                          </p:cTn>
+                        </p:par>
+                      </p:childTnLst>
+                    </p:cTn>
+                  </p:par>
                 </p:childTnLst>
               </p:cTn>
               <p:prevCondLst>
@@ -6954,6 +7051,9 @@
         </p:cTn>
       </p:par>
     </p:tnLst>
+    <p:bldLst>
+      <p:bldP spid="5" grpId="0"/>
+    </p:bldLst>
   </p:timing>
 </p:sld>
 </file>
@@ -7325,6 +7425,58 @@
               </a:solidFill>
               <a:latin typeface="Times New Roman"/>
               <a:cs typeface="Times New Roman"/>
+            </a:endParaRPr>
+          </a:p>
+        </p:txBody>
+      </p:sp>
+      <p:sp>
+        <p:nvSpPr>
+          <p:cNvPr id="5" name="TextBox 4">
+            <a:extLst>
+              <a:ext uri="{FF2B5EF4-FFF2-40B4-BE49-F238E27FC236}">
+                <a16:creationId xmlns:a16="http://schemas.microsoft.com/office/drawing/2014/main" id="{4F611B97-D609-134A-943D-988BE0716335}"/>
+              </a:ext>
+            </a:extLst>
+          </p:cNvPr>
+          <p:cNvSpPr txBox="1"/>
+          <p:nvPr/>
+        </p:nvSpPr>
+        <p:spPr>
+          <a:xfrm>
+            <a:off x="2331076" y="6427113"/>
+            <a:ext cx="6306763" cy="430887"/>
+          </a:xfrm>
+          <a:prstGeom prst="rect">
+            <a:avLst/>
+          </a:prstGeom>
+          <a:noFill/>
+        </p:spPr>
+        <p:txBody>
+          <a:bodyPr wrap="square" rtlCol="0">
+            <a:spAutoFit/>
+          </a:bodyPr>
+          <a:lstStyle/>
+          <a:p>
+            <a:pPr marR="0" lvl="0" algn="r">
+              <a:spcBef>
+                <a:spcPts val="0"/>
+              </a:spcBef>
+              <a:spcAft>
+                <a:spcPts val="0"/>
+              </a:spcAft>
+            </a:pPr>
+            <a:r>
+              <a:rPr lang="en-US" sz="2200" i="1" dirty="0">
+                <a:latin typeface="Times New Roman" panose="02020603050405020304" pitchFamily="18" charset="0"/>
+                <a:ea typeface="MS Mincho" panose="02020609040205080304" pitchFamily="49" charset="-128"/>
+                <a:cs typeface="Times New Roman" panose="02020603050405020304" pitchFamily="18" charset="0"/>
+              </a:rPr>
+              <a:t>Based on presentations by R. Teodorescu</a:t>
+            </a:r>
+            <a:endParaRPr lang="en-US" sz="2200" dirty="0">
+              <a:latin typeface="Times New Roman" panose="02020603050405020304" pitchFamily="18" charset="0"/>
+              <a:ea typeface="MS Mincho" panose="02020609040205080304" pitchFamily="49" charset="-128"/>
+              <a:cs typeface="Times New Roman" panose="02020603050405020304" pitchFamily="18" charset="0"/>
             </a:endParaRPr>
           </a:p>
         </p:txBody>
@@ -7814,6 +7966,51 @@
                       </p:childTnLst>
                     </p:cTn>
                   </p:par>
+                  <p:par>
+                    <p:cTn id="39" fill="hold">
+                      <p:stCondLst>
+                        <p:cond delay="indefinite"/>
+                      </p:stCondLst>
+                      <p:childTnLst>
+                        <p:par>
+                          <p:cTn id="40" fill="hold">
+                            <p:stCondLst>
+                              <p:cond delay="0"/>
+                            </p:stCondLst>
+                            <p:childTnLst>
+                              <p:par>
+                                <p:cTn id="41" presetID="1" presetClass="entr" presetSubtype="0" fill="hold" grpId="0" nodeType="clickEffect">
+                                  <p:stCondLst>
+                                    <p:cond delay="0"/>
+                                  </p:stCondLst>
+                                  <p:childTnLst>
+                                    <p:set>
+                                      <p:cBhvr>
+                                        <p:cTn id="42" dur="1" fill="hold">
+                                          <p:stCondLst>
+                                            <p:cond delay="0"/>
+                                          </p:stCondLst>
+                                        </p:cTn>
+                                        <p:tgtEl>
+                                          <p:spTgt spid="5"/>
+                                        </p:tgtEl>
+                                        <p:attrNameLst>
+                                          <p:attrName>style.visibility</p:attrName>
+                                        </p:attrNameLst>
+                                      </p:cBhvr>
+                                      <p:to>
+                                        <p:strVal val="visible"/>
+                                      </p:to>
+                                    </p:set>
+                                  </p:childTnLst>
+                                </p:cTn>
+                              </p:par>
+                            </p:childTnLst>
+                          </p:cTn>
+                        </p:par>
+                      </p:childTnLst>
+                    </p:cTn>
+                  </p:par>
                 </p:childTnLst>
               </p:cTn>
               <p:prevCondLst>
@@ -7835,6 +8032,9 @@
         </p:cTn>
       </p:par>
     </p:tnLst>
+    <p:bldLst>
+      <p:bldP spid="5" grpId="0"/>
+    </p:bldLst>
   </p:timing>
 </p:sld>
 </file>

--- a/Slides/Class02.pptx
+++ b/Slides/Class02.pptx
@@ -7966,51 +7966,6 @@
                       </p:childTnLst>
                     </p:cTn>
                   </p:par>
-                  <p:par>
-                    <p:cTn id="39" fill="hold">
-                      <p:stCondLst>
-                        <p:cond delay="indefinite"/>
-                      </p:stCondLst>
-                      <p:childTnLst>
-                        <p:par>
-                          <p:cTn id="40" fill="hold">
-                            <p:stCondLst>
-                              <p:cond delay="0"/>
-                            </p:stCondLst>
-                            <p:childTnLst>
-                              <p:par>
-                                <p:cTn id="41" presetID="1" presetClass="entr" presetSubtype="0" fill="hold" grpId="0" nodeType="clickEffect">
-                                  <p:stCondLst>
-                                    <p:cond delay="0"/>
-                                  </p:stCondLst>
-                                  <p:childTnLst>
-                                    <p:set>
-                                      <p:cBhvr>
-                                        <p:cTn id="42" dur="1" fill="hold">
-                                          <p:stCondLst>
-                                            <p:cond delay="0"/>
-                                          </p:stCondLst>
-                                        </p:cTn>
-                                        <p:tgtEl>
-                                          <p:spTgt spid="5"/>
-                                        </p:tgtEl>
-                                        <p:attrNameLst>
-                                          <p:attrName>style.visibility</p:attrName>
-                                        </p:attrNameLst>
-                                      </p:cBhvr>
-                                      <p:to>
-                                        <p:strVal val="visible"/>
-                                      </p:to>
-                                    </p:set>
-                                  </p:childTnLst>
-                                </p:cTn>
-                              </p:par>
-                            </p:childTnLst>
-                          </p:cTn>
-                        </p:par>
-                      </p:childTnLst>
-                    </p:cTn>
-                  </p:par>
                 </p:childTnLst>
               </p:cTn>
               <p:prevCondLst>
@@ -8032,9 +7987,6 @@
         </p:cTn>
       </p:par>
     </p:tnLst>
-    <p:bldLst>
-      <p:bldP spid="5" grpId="0"/>
-    </p:bldLst>
   </p:timing>
 </p:sld>
 </file>

--- a/Slides/Class02.pptx
+++ b/Slides/Class02.pptx
@@ -234,7 +234,7 @@
           <a:p>
             <a:fld id="{C24322AF-E05B-7249-906C-FBAC6154C037}" type="datetimeFigureOut">
               <a:rPr lang="en-US" smtClean="0"/>
-              <a:t>12/11/18</a:t>
+              <a:t>6/18/25</a:t>
             </a:fld>
             <a:endParaRPr lang="en-US"/>
           </a:p>
@@ -400,7 +400,7 @@
             <a:fld id="{06A43BE5-3BD4-F642-8751-88A31D8D6D13}" type="datetimeFigureOut">
               <a:rPr lang="en-US" smtClean="0"/>
               <a:pPr/>
-              <a:t>12/11/18</a:t>
+              <a:t>6/18/25</a:t>
             </a:fld>
             <a:endParaRPr lang="en-US"/>
           </a:p>
@@ -943,7 +943,7 @@
             <a:fld id="{A4FA2B0E-4818-9849-9CF1-1031FD4E1DAB}" type="datetimeFigureOut">
               <a:rPr lang="en-US" smtClean="0"/>
               <a:pPr/>
-              <a:t>12/11/18</a:t>
+              <a:t>6/18/25</a:t>
             </a:fld>
             <a:endParaRPr lang="en-US"/>
           </a:p>
@@ -1108,7 +1108,7 @@
             <a:fld id="{A4FA2B0E-4818-9849-9CF1-1031FD4E1DAB}" type="datetimeFigureOut">
               <a:rPr lang="en-US" smtClean="0"/>
               <a:pPr/>
-              <a:t>12/11/18</a:t>
+              <a:t>6/18/25</a:t>
             </a:fld>
             <a:endParaRPr lang="en-US"/>
           </a:p>
@@ -1283,7 +1283,7 @@
             <a:fld id="{A4FA2B0E-4818-9849-9CF1-1031FD4E1DAB}" type="datetimeFigureOut">
               <a:rPr lang="en-US" smtClean="0"/>
               <a:pPr/>
-              <a:t>12/11/18</a:t>
+              <a:t>6/18/25</a:t>
             </a:fld>
             <a:endParaRPr lang="en-US"/>
           </a:p>
@@ -1526,7 +1526,7 @@
                 </a:solidFill>
               </a:rPr>
               <a:pPr/>
-              <a:t>12/11/18</a:t>
+              <a:t>6/18/25</a:t>
             </a:fld>
             <a:endParaRPr lang="en-US">
               <a:solidFill>
@@ -1715,7 +1715,7 @@
             <a:fld id="{A4FA2B0E-4818-9849-9CF1-1031FD4E1DAB}" type="datetimeFigureOut">
               <a:rPr lang="en-US" smtClean="0"/>
               <a:pPr/>
-              <a:t>12/11/18</a:t>
+              <a:t>6/18/25</a:t>
             </a:fld>
             <a:endParaRPr lang="en-US"/>
           </a:p>
@@ -1957,7 +1957,7 @@
             <a:fld id="{A4FA2B0E-4818-9849-9CF1-1031FD4E1DAB}" type="datetimeFigureOut">
               <a:rPr lang="en-US" smtClean="0"/>
               <a:pPr/>
-              <a:t>12/11/18</a:t>
+              <a:t>6/18/25</a:t>
             </a:fld>
             <a:endParaRPr lang="en-US"/>
           </a:p>
@@ -2239,7 +2239,7 @@
             <a:fld id="{A4FA2B0E-4818-9849-9CF1-1031FD4E1DAB}" type="datetimeFigureOut">
               <a:rPr lang="en-US" smtClean="0"/>
               <a:pPr/>
-              <a:t>12/11/18</a:t>
+              <a:t>6/18/25</a:t>
             </a:fld>
             <a:endParaRPr lang="en-US"/>
           </a:p>
@@ -2655,7 +2655,7 @@
             <a:fld id="{A4FA2B0E-4818-9849-9CF1-1031FD4E1DAB}" type="datetimeFigureOut">
               <a:rPr lang="en-US" smtClean="0"/>
               <a:pPr/>
-              <a:t>12/11/18</a:t>
+              <a:t>6/18/25</a:t>
             </a:fld>
             <a:endParaRPr lang="en-US"/>
           </a:p>
@@ -2769,7 +2769,7 @@
             <a:fld id="{A4FA2B0E-4818-9849-9CF1-1031FD4E1DAB}" type="datetimeFigureOut">
               <a:rPr lang="en-US" smtClean="0"/>
               <a:pPr/>
-              <a:t>12/11/18</a:t>
+              <a:t>6/18/25</a:t>
             </a:fld>
             <a:endParaRPr lang="en-US"/>
           </a:p>
@@ -2861,7 +2861,7 @@
             <a:fld id="{A4FA2B0E-4818-9849-9CF1-1031FD4E1DAB}" type="datetimeFigureOut">
               <a:rPr lang="en-US" smtClean="0"/>
               <a:pPr/>
-              <a:t>12/11/18</a:t>
+              <a:t>6/18/25</a:t>
             </a:fld>
             <a:endParaRPr lang="en-US"/>
           </a:p>
@@ -3133,7 +3133,7 @@
             <a:fld id="{A4FA2B0E-4818-9849-9CF1-1031FD4E1DAB}" type="datetimeFigureOut">
               <a:rPr lang="en-US" smtClean="0"/>
               <a:pPr/>
-              <a:t>12/11/18</a:t>
+              <a:t>6/18/25</a:t>
             </a:fld>
             <a:endParaRPr lang="en-US"/>
           </a:p>
@@ -3382,7 +3382,7 @@
             <a:fld id="{A4FA2B0E-4818-9849-9CF1-1031FD4E1DAB}" type="datetimeFigureOut">
               <a:rPr lang="en-US" smtClean="0"/>
               <a:pPr/>
-              <a:t>12/11/18</a:t>
+              <a:t>6/18/25</a:t>
             </a:fld>
             <a:endParaRPr lang="en-US"/>
           </a:p>
@@ -3590,7 +3590,7 @@
             <a:fld id="{A4FA2B0E-4818-9849-9CF1-1031FD4E1DAB}" type="datetimeFigureOut">
               <a:rPr lang="en-US" smtClean="0"/>
               <a:pPr/>
-              <a:t>12/11/18</a:t>
+              <a:t>6/18/25</a:t>
             </a:fld>
             <a:endParaRPr lang="en-US"/>
           </a:p>
@@ -4101,7 +4101,7 @@
                 </a:solidFill>
               </a:rPr>
               <a:pPr/>
-              <a:t>12/11/18</a:t>
+              <a:t>6/18/25</a:t>
             </a:fld>
             <a:endParaRPr lang="en-US">
               <a:solidFill>
@@ -11339,7 +11339,7 @@
                 <a:ea typeface="MS Mincho" panose="02020609040205080304" pitchFamily="49" charset="-128"/>
                 <a:cs typeface="Times New Roman" panose="02020603050405020304" pitchFamily="18" charset="0"/>
               </a:rPr>
-              <a:t>Every team of two students will present in Tuesday’s class:</a:t>
+              <a:t>Every team of two students will present in next week’s class:</a:t>
             </a:r>
           </a:p>
           <a:p>
@@ -11534,7 +11534,7 @@
                 <a:ea typeface="MS Mincho" panose="02020609040205080304" pitchFamily="49" charset="-128"/>
                 <a:cs typeface="Times New Roman" panose="02020603050405020304" pitchFamily="18" charset="0"/>
               </a:rPr>
-              <a:t>Make sure that the presentation time for both team members is equal</a:t>
+              <a:t>Make sure that the presentation time for each team member is equal</a:t>
             </a:r>
           </a:p>
         </p:txBody>
